--- a/Presentation_Sof_Dep_Project.pptx
+++ b/Presentation_Sof_Dep_Project.pptx
@@ -5,7 +5,7 @@
     <p:sldMasterId id="2147483648" r:id="rId1"/>
   </p:sldMasterIdLst>
   <p:notesMasterIdLst>
-    <p:notesMasterId r:id="rId20"/>
+    <p:notesMasterId r:id="rId21"/>
   </p:notesMasterIdLst>
   <p:sldIdLst>
     <p:sldId id="256" r:id="rId2"/>
@@ -16,16 +16,17 @@
     <p:sldId id="268" r:id="rId7"/>
     <p:sldId id="269" r:id="rId8"/>
     <p:sldId id="270" r:id="rId9"/>
-    <p:sldId id="271" r:id="rId10"/>
-    <p:sldId id="274" r:id="rId11"/>
-    <p:sldId id="272" r:id="rId12"/>
-    <p:sldId id="273" r:id="rId13"/>
-    <p:sldId id="261" r:id="rId14"/>
-    <p:sldId id="258" r:id="rId15"/>
-    <p:sldId id="259" r:id="rId16"/>
-    <p:sldId id="262" r:id="rId17"/>
-    <p:sldId id="260" r:id="rId18"/>
-    <p:sldId id="257" r:id="rId19"/>
+    <p:sldId id="275" r:id="rId10"/>
+    <p:sldId id="271" r:id="rId11"/>
+    <p:sldId id="274" r:id="rId12"/>
+    <p:sldId id="272" r:id="rId13"/>
+    <p:sldId id="273" r:id="rId14"/>
+    <p:sldId id="261" r:id="rId15"/>
+    <p:sldId id="258" r:id="rId16"/>
+    <p:sldId id="259" r:id="rId17"/>
+    <p:sldId id="262" r:id="rId18"/>
+    <p:sldId id="260" r:id="rId19"/>
+    <p:sldId id="257" r:id="rId20"/>
   </p:sldIdLst>
   <p:sldSz cx="12192000" cy="6858000"/>
   <p:notesSz cx="6858000" cy="9144000"/>
@@ -149,6 +150,7 @@
             <p14:sldId id="268"/>
             <p14:sldId id="269"/>
             <p14:sldId id="270"/>
+            <p14:sldId id="275"/>
             <p14:sldId id="271"/>
             <p14:sldId id="274"/>
             <p14:sldId id="272"/>
@@ -186,7 +188,7 @@
 <p1510:revInfo xmlns:a="http://schemas.openxmlformats.org/drawingml/2006/main" xmlns:r="http://schemas.openxmlformats.org/officeDocument/2006/relationships" xmlns:p1510="http://schemas.microsoft.com/office/powerpoint/2015/10/main">
   <p1510:revLst>
     <p1510:client id="{377E04CD-A1D7-458E-B73C-318AB0C4C682}" v="146" dt="2025-01-08T19:49:00.500"/>
-    <p1510:client id="{47F03B6F-391A-DAF4-A083-6B22FE53D0CC}" v="80" dt="2025-01-08T21:59:14.509"/>
+    <p1510:client id="{47F03B6F-391A-DAF4-A083-6B22FE53D0CC}" v="113" dt="2025-01-08T22:15:12.509"/>
     <p1510:client id="{81DC5167-0E4C-BD2A-C84C-36CC55D82763}" v="240" dt="2025-01-07T21:55:06.829"/>
   </p1510:revLst>
 </p1510:revInfo>
@@ -4346,6 +4348,94 @@
           <p:cNvPr id="2" name="Titel 1">
             <a:extLst>
               <a:ext uri="{FF2B5EF4-FFF2-40B4-BE49-F238E27FC236}">
+                <a16:creationId xmlns:a16="http://schemas.microsoft.com/office/drawing/2014/main" id="{BDBFE3EA-266B-76E7-627A-4E79D650C893}"/>
+              </a:ext>
+            </a:extLst>
+          </p:cNvPr>
+          <p:cNvSpPr>
+            <a:spLocks noGrp="1"/>
+          </p:cNvSpPr>
+          <p:nvPr>
+            <p:ph type="title"/>
+          </p:nvPr>
+        </p:nvSpPr>
+        <p:spPr/>
+        <p:txBody>
+          <a:bodyPr/>
+          <a:lstStyle/>
+          <a:p>
+            <a:r>
+              <a:rPr lang="de-DE" err="1"/>
+              <a:t>Results</a:t>
+            </a:r>
+            <a:r>
+              <a:rPr lang="de-DE"/>
+              <a:t>: Performance </a:t>
+            </a:r>
+            <a:endParaRPr lang="en-GB"/>
+          </a:p>
+        </p:txBody>
+      </p:sp>
+      <p:sp>
+        <p:nvSpPr>
+          <p:cNvPr id="3" name="Inhaltsplatzhalter 2">
+            <a:extLst>
+              <a:ext uri="{FF2B5EF4-FFF2-40B4-BE49-F238E27FC236}">
+                <a16:creationId xmlns:a16="http://schemas.microsoft.com/office/drawing/2014/main" id="{0DB4E662-2793-83CB-79F8-09C1463590FC}"/>
+              </a:ext>
+            </a:extLst>
+          </p:cNvPr>
+          <p:cNvSpPr>
+            <a:spLocks noGrp="1"/>
+          </p:cNvSpPr>
+          <p:nvPr>
+            <p:ph idx="1"/>
+          </p:nvPr>
+        </p:nvSpPr>
+        <p:spPr/>
+        <p:txBody>
+          <a:bodyPr/>
+          <a:lstStyle/>
+          <a:p>
+            <a:endParaRPr lang="en-GB"/>
+          </a:p>
+        </p:txBody>
+      </p:sp>
+    </p:spTree>
+    <p:extLst>
+      <p:ext uri="{BB962C8B-B14F-4D97-AF65-F5344CB8AC3E}">
+        <p14:creationId xmlns:p14="http://schemas.microsoft.com/office/powerpoint/2010/main" val="3951312986"/>
+      </p:ext>
+    </p:extLst>
+  </p:cSld>
+  <p:clrMapOvr>
+    <a:masterClrMapping/>
+  </p:clrMapOvr>
+</p:sld>
+</file>
+
+<file path=ppt/slides/slide11.xml><?xml version="1.0" encoding="utf-8"?>
+<p:sld xmlns:a="http://schemas.openxmlformats.org/drawingml/2006/main" xmlns:r="http://schemas.openxmlformats.org/officeDocument/2006/relationships" xmlns:p="http://schemas.openxmlformats.org/presentationml/2006/main">
+  <p:cSld>
+    <p:spTree>
+      <p:nvGrpSpPr>
+        <p:cNvPr id="1" name=""/>
+        <p:cNvGrpSpPr/>
+        <p:nvPr/>
+      </p:nvGrpSpPr>
+      <p:grpSpPr>
+        <a:xfrm>
+          <a:off x="0" y="0"/>
+          <a:ext cx="0" cy="0"/>
+          <a:chOff x="0" y="0"/>
+          <a:chExt cx="0" cy="0"/>
+        </a:xfrm>
+      </p:grpSpPr>
+      <p:sp>
+        <p:nvSpPr>
+          <p:cNvPr id="2" name="Titel 1">
+            <a:extLst>
+              <a:ext uri="{FF2B5EF4-FFF2-40B4-BE49-F238E27FC236}">
                 <a16:creationId xmlns:a16="http://schemas.microsoft.com/office/drawing/2014/main" id="{2EB42861-9DBD-2867-9427-CAF645530F5C}"/>
               </a:ext>
             </a:extLst>
@@ -4412,7 +4502,7 @@
 </p:sld>
 </file>
 
-<file path=ppt/slides/slide11.xml><?xml version="1.0" encoding="utf-8"?>
+<file path=ppt/slides/slide12.xml><?xml version="1.0" encoding="utf-8"?>
 <p:sld xmlns:a="http://schemas.openxmlformats.org/drawingml/2006/main" xmlns:r="http://schemas.openxmlformats.org/officeDocument/2006/relationships" xmlns:p="http://schemas.openxmlformats.org/presentationml/2006/main">
   <p:cSld>
     <p:spTree>
@@ -4669,7 +4759,7 @@
 </p:sld>
 </file>
 
-<file path=ppt/slides/slide12.xml><?xml version="1.0" encoding="utf-8"?>
+<file path=ppt/slides/slide13.xml><?xml version="1.0" encoding="utf-8"?>
 <p:sld xmlns:a="http://schemas.openxmlformats.org/drawingml/2006/main" xmlns:r="http://schemas.openxmlformats.org/officeDocument/2006/relationships" xmlns:p="http://schemas.openxmlformats.org/presentationml/2006/main">
   <p:cSld>
     <p:spTree>
@@ -4757,7 +4847,7 @@
 </p:sld>
 </file>
 
-<file path=ppt/slides/slide13.xml><?xml version="1.0" encoding="utf-8"?>
+<file path=ppt/slides/slide14.xml><?xml version="1.0" encoding="utf-8"?>
 <p:sld xmlns:a="http://schemas.openxmlformats.org/drawingml/2006/main" xmlns:r="http://schemas.openxmlformats.org/officeDocument/2006/relationships" xmlns:p="http://schemas.openxmlformats.org/presentationml/2006/main">
   <p:cSld>
     <p:spTree>
@@ -5068,352 +5158,6 @@
 </p:sld>
 </file>
 
-<file path=ppt/slides/slide14.xml><?xml version="1.0" encoding="utf-8"?>
-<p:sld xmlns:a="http://schemas.openxmlformats.org/drawingml/2006/main" xmlns:r="http://schemas.openxmlformats.org/officeDocument/2006/relationships" xmlns:p="http://schemas.openxmlformats.org/presentationml/2006/main">
-  <p:cSld>
-    <p:spTree>
-      <p:nvGrpSpPr>
-        <p:cNvPr id="1" name=""/>
-        <p:cNvGrpSpPr/>
-        <p:nvPr/>
-      </p:nvGrpSpPr>
-      <p:grpSpPr>
-        <a:xfrm>
-          <a:off x="0" y="0"/>
-          <a:ext cx="0" cy="0"/>
-          <a:chOff x="0" y="0"/>
-          <a:chExt cx="0" cy="0"/>
-        </a:xfrm>
-      </p:grpSpPr>
-      <p:sp>
-        <p:nvSpPr>
-          <p:cNvPr id="2" name="Titel 1">
-            <a:extLst>
-              <a:ext uri="{FF2B5EF4-FFF2-40B4-BE49-F238E27FC236}">
-                <a16:creationId xmlns:a16="http://schemas.microsoft.com/office/drawing/2014/main" id="{37F5D947-6BCA-F7C2-9800-557D3CABDFEE}"/>
-              </a:ext>
-            </a:extLst>
-          </p:cNvPr>
-          <p:cNvSpPr>
-            <a:spLocks noGrp="1"/>
-          </p:cNvSpPr>
-          <p:nvPr>
-            <p:ph type="title"/>
-          </p:nvPr>
-        </p:nvSpPr>
-        <p:spPr/>
-        <p:txBody>
-          <a:bodyPr/>
-          <a:lstStyle/>
-          <a:p>
-            <a:r>
-              <a:rPr lang="de-DE"/>
-              <a:t>Testgeneration</a:t>
-            </a:r>
-          </a:p>
-        </p:txBody>
-      </p:sp>
-      <p:sp>
-        <p:nvSpPr>
-          <p:cNvPr id="3" name="Inhaltsplatzhalter 2">
-            <a:extLst>
-              <a:ext uri="{FF2B5EF4-FFF2-40B4-BE49-F238E27FC236}">
-                <a16:creationId xmlns:a16="http://schemas.microsoft.com/office/drawing/2014/main" id="{9F111271-46A4-EC27-5502-BC68CF76B3E2}"/>
-              </a:ext>
-            </a:extLst>
-          </p:cNvPr>
-          <p:cNvSpPr>
-            <a:spLocks noGrp="1"/>
-          </p:cNvSpPr>
-          <p:nvPr>
-            <p:ph idx="1"/>
-          </p:nvPr>
-        </p:nvSpPr>
-        <p:spPr/>
-        <p:txBody>
-          <a:bodyPr vert="horz" lIns="91440" tIns="45720" rIns="91440" bIns="45720" rtlCol="0" anchor="t">
-            <a:normAutofit/>
-          </a:bodyPr>
-          <a:lstStyle/>
-          <a:p>
-            <a:r>
-              <a:rPr lang="de-DE"/>
-              <a:t>Settings </a:t>
-            </a:r>
-            <a:r>
-              <a:rPr lang="de-DE" err="1"/>
-              <a:t>for</a:t>
-            </a:r>
-            <a:r>
-              <a:rPr lang="de-DE"/>
-              <a:t> </a:t>
-            </a:r>
-            <a:r>
-              <a:rPr lang="de-DE" err="1"/>
-              <a:t>generation</a:t>
-            </a:r>
-            <a:r>
-              <a:rPr lang="de-DE"/>
-              <a:t> </a:t>
-            </a:r>
-            <a:r>
-              <a:rPr lang="de-DE" err="1"/>
-              <a:t>command</a:t>
-            </a:r>
-            <a:endParaRPr lang="de-DE"/>
-          </a:p>
-          <a:p>
-            <a:pPr lvl="1">
-              <a:buFont typeface="Courier New" panose="020B0604020202020204" pitchFamily="34" charset="0"/>
-              <a:buChar char="o"/>
-            </a:pPr>
-            <a:r>
-              <a:rPr lang="de-DE"/>
-              <a:t>--</a:t>
-            </a:r>
-            <a:r>
-              <a:rPr lang="de-DE" err="1"/>
-              <a:t>classlist</a:t>
-            </a:r>
-            <a:r>
-              <a:rPr lang="de-DE"/>
-              <a:t> </a:t>
-            </a:r>
-            <a:r>
-              <a:rPr lang="de-DE" err="1"/>
-              <a:t>for</a:t>
-            </a:r>
-            <a:r>
-              <a:rPr lang="de-DE"/>
-              <a:t> </a:t>
-            </a:r>
-            <a:r>
-              <a:rPr lang="de-DE" err="1"/>
-              <a:t>six</a:t>
-            </a:r>
-            <a:r>
-              <a:rPr lang="de-DE"/>
-              <a:t> </a:t>
-            </a:r>
-            <a:r>
-              <a:rPr lang="de-DE" err="1"/>
-              <a:t>poorly</a:t>
-            </a:r>
-            <a:r>
-              <a:rPr lang="de-DE"/>
-              <a:t> </a:t>
-            </a:r>
-            <a:r>
-              <a:rPr lang="de-DE" err="1"/>
-              <a:t>tested</a:t>
-            </a:r>
-            <a:r>
-              <a:rPr lang="de-DE"/>
-              <a:t> </a:t>
-            </a:r>
-            <a:r>
-              <a:rPr lang="de-DE" err="1"/>
-              <a:t>classes</a:t>
-            </a:r>
-          </a:p>
-          <a:p>
-            <a:pPr lvl="1">
-              <a:buFont typeface="Courier New" panose="020B0604020202020204" pitchFamily="34" charset="0"/>
-              <a:buChar char="o"/>
-            </a:pPr>
-            <a:r>
-              <a:rPr lang="de-DE"/>
-              <a:t>--time-limit=600 (6*100)</a:t>
-            </a:r>
-          </a:p>
-          <a:p>
-            <a:pPr lvl="1">
-              <a:buFont typeface="Courier New" panose="020B0604020202020204" pitchFamily="34" charset="0"/>
-              <a:buChar char="o"/>
-            </a:pPr>
-            <a:r>
-              <a:rPr lang="de-DE"/>
-              <a:t>Explicit </a:t>
-            </a:r>
-            <a:r>
-              <a:rPr lang="de-DE" err="1"/>
-              <a:t>usage</a:t>
-            </a:r>
-            <a:r>
-              <a:rPr lang="de-DE"/>
-              <a:t> </a:t>
-            </a:r>
-            <a:r>
-              <a:rPr lang="de-DE" err="1"/>
-              <a:t>of</a:t>
-            </a:r>
-            <a:r>
-              <a:rPr lang="de-DE"/>
-              <a:t> </a:t>
-            </a:r>
-            <a:r>
-              <a:rPr lang="de-DE" err="1"/>
-              <a:t>java</a:t>
-            </a:r>
-            <a:r>
-              <a:rPr lang="de-DE"/>
-              <a:t> 11 </a:t>
-            </a:r>
-            <a:r>
-              <a:rPr lang="de-DE" err="1"/>
-              <a:t>for</a:t>
-            </a:r>
-            <a:r>
-              <a:rPr lang="de-DE"/>
-              <a:t> </a:t>
-            </a:r>
-            <a:r>
-              <a:rPr lang="de-DE" err="1"/>
-              <a:t>compatibility</a:t>
-            </a:r>
-            <a:endParaRPr lang="de-DE"/>
-          </a:p>
-          <a:p>
-            <a:r>
-              <a:rPr lang="de-DE" err="1"/>
-              <a:t>result</a:t>
-            </a:r>
-            <a:endParaRPr lang="de-DE"/>
-          </a:p>
-          <a:p>
-            <a:pPr lvl="1">
-              <a:buFont typeface="Courier New" panose="020B0604020202020204" pitchFamily="34" charset="0"/>
-              <a:buChar char="o"/>
-            </a:pPr>
-            <a:r>
-              <a:rPr lang="de-DE"/>
-              <a:t>&gt; 9000 </a:t>
-            </a:r>
-            <a:r>
-              <a:rPr lang="de-DE" err="1"/>
-              <a:t>regression</a:t>
-            </a:r>
-            <a:r>
-              <a:rPr lang="de-DE"/>
-              <a:t> </a:t>
-            </a:r>
-            <a:r>
-              <a:rPr lang="de-DE" err="1"/>
-              <a:t>tests</a:t>
-            </a:r>
-            <a:endParaRPr lang="de-DE"/>
-          </a:p>
-          <a:p>
-            <a:pPr lvl="1">
-              <a:buFont typeface="Courier New" panose="020B0604020202020204" pitchFamily="34" charset="0"/>
-              <a:buChar char="o"/>
-            </a:pPr>
-            <a:r>
-              <a:rPr lang="de-DE"/>
-              <a:t>Small </a:t>
-            </a:r>
-            <a:r>
-              <a:rPr lang="de-DE" err="1"/>
-              <a:t>varying</a:t>
-            </a:r>
-            <a:r>
-              <a:rPr lang="de-DE"/>
-              <a:t> </a:t>
-            </a:r>
-            <a:r>
-              <a:rPr lang="de-DE" err="1"/>
-              <a:t>improvements</a:t>
-            </a:r>
-            <a:r>
-              <a:rPr lang="de-DE"/>
-              <a:t> </a:t>
-            </a:r>
-            <a:r>
-              <a:rPr lang="de-DE" err="1"/>
-              <a:t>of</a:t>
-            </a:r>
-            <a:r>
-              <a:rPr lang="de-DE"/>
-              <a:t> </a:t>
-            </a:r>
-            <a:r>
-              <a:rPr lang="de-DE" err="1"/>
-              <a:t>the</a:t>
-            </a:r>
-            <a:r>
-              <a:rPr lang="de-DE"/>
-              <a:t> </a:t>
-            </a:r>
-            <a:r>
-              <a:rPr lang="de-DE" err="1"/>
-              <a:t>test</a:t>
-            </a:r>
-            <a:r>
-              <a:rPr lang="de-DE"/>
-              <a:t> </a:t>
-            </a:r>
-            <a:r>
-              <a:rPr lang="de-DE" err="1"/>
-              <a:t>coverages</a:t>
-            </a:r>
-            <a:endParaRPr lang="de-DE"/>
-          </a:p>
-          <a:p>
-            <a:pPr lvl="2">
-              <a:buFont typeface="Wingdings" panose="020B0604020202020204" pitchFamily="34" charset="0"/>
-              <a:buChar char="§"/>
-            </a:pPr>
-            <a:r>
-              <a:rPr lang="de-DE" err="1"/>
-              <a:t>Between</a:t>
-            </a:r>
-            <a:r>
-              <a:rPr lang="de-DE"/>
-              <a:t> 0 and 7% </a:t>
-            </a:r>
-            <a:r>
-              <a:rPr lang="de-DE" err="1"/>
-              <a:t>improvement</a:t>
-            </a:r>
-            <a:r>
-              <a:rPr lang="de-DE"/>
-              <a:t> in </a:t>
-            </a:r>
-            <a:r>
-              <a:rPr lang="de-DE" err="1"/>
-              <a:t>instruction</a:t>
-            </a:r>
-            <a:r>
-              <a:rPr lang="de-DE"/>
-              <a:t> </a:t>
-            </a:r>
-            <a:r>
-              <a:rPr lang="de-DE" err="1"/>
-              <a:t>coverage</a:t>
-            </a:r>
-          </a:p>
-          <a:p>
-            <a:pPr lvl="2">
-              <a:buFont typeface="Wingdings" panose="020B0604020202020204" pitchFamily="34" charset="0"/>
-              <a:buChar char="§"/>
-            </a:pPr>
-            <a:endParaRPr lang="de-DE"/>
-          </a:p>
-        </p:txBody>
-      </p:sp>
-    </p:spTree>
-    <p:extLst>
-      <p:ext uri="{BB962C8B-B14F-4D97-AF65-F5344CB8AC3E}">
-        <p14:creationId xmlns:p14="http://schemas.microsoft.com/office/powerpoint/2010/main" val="3399214711"/>
-      </p:ext>
-    </p:extLst>
-  </p:cSld>
-  <p:clrMapOvr>
-    <a:masterClrMapping/>
-  </p:clrMapOvr>
-</p:sld>
-</file>
-
 <file path=ppt/slides/slide15.xml><?xml version="1.0" encoding="utf-8"?>
 <p:sld xmlns:a="http://schemas.openxmlformats.org/drawingml/2006/main" xmlns:r="http://schemas.openxmlformats.org/officeDocument/2006/relationships" xmlns:p="http://schemas.openxmlformats.org/presentationml/2006/main">
   <p:cSld>
@@ -5436,6 +5180,352 @@
           <p:cNvPr id="2" name="Titel 1">
             <a:extLst>
               <a:ext uri="{FF2B5EF4-FFF2-40B4-BE49-F238E27FC236}">
+                <a16:creationId xmlns:a16="http://schemas.microsoft.com/office/drawing/2014/main" id="{37F5D947-6BCA-F7C2-9800-557D3CABDFEE}"/>
+              </a:ext>
+            </a:extLst>
+          </p:cNvPr>
+          <p:cNvSpPr>
+            <a:spLocks noGrp="1"/>
+          </p:cNvSpPr>
+          <p:nvPr>
+            <p:ph type="title"/>
+          </p:nvPr>
+        </p:nvSpPr>
+        <p:spPr/>
+        <p:txBody>
+          <a:bodyPr/>
+          <a:lstStyle/>
+          <a:p>
+            <a:r>
+              <a:rPr lang="de-DE"/>
+              <a:t>Testgeneration</a:t>
+            </a:r>
+          </a:p>
+        </p:txBody>
+      </p:sp>
+      <p:sp>
+        <p:nvSpPr>
+          <p:cNvPr id="3" name="Inhaltsplatzhalter 2">
+            <a:extLst>
+              <a:ext uri="{FF2B5EF4-FFF2-40B4-BE49-F238E27FC236}">
+                <a16:creationId xmlns:a16="http://schemas.microsoft.com/office/drawing/2014/main" id="{9F111271-46A4-EC27-5502-BC68CF76B3E2}"/>
+              </a:ext>
+            </a:extLst>
+          </p:cNvPr>
+          <p:cNvSpPr>
+            <a:spLocks noGrp="1"/>
+          </p:cNvSpPr>
+          <p:nvPr>
+            <p:ph idx="1"/>
+          </p:nvPr>
+        </p:nvSpPr>
+        <p:spPr/>
+        <p:txBody>
+          <a:bodyPr vert="horz" lIns="91440" tIns="45720" rIns="91440" bIns="45720" rtlCol="0" anchor="t">
+            <a:normAutofit/>
+          </a:bodyPr>
+          <a:lstStyle/>
+          <a:p>
+            <a:r>
+              <a:rPr lang="de-DE"/>
+              <a:t>Settings </a:t>
+            </a:r>
+            <a:r>
+              <a:rPr lang="de-DE" err="1"/>
+              <a:t>for</a:t>
+            </a:r>
+            <a:r>
+              <a:rPr lang="de-DE"/>
+              <a:t> </a:t>
+            </a:r>
+            <a:r>
+              <a:rPr lang="de-DE" err="1"/>
+              <a:t>generation</a:t>
+            </a:r>
+            <a:r>
+              <a:rPr lang="de-DE"/>
+              <a:t> </a:t>
+            </a:r>
+            <a:r>
+              <a:rPr lang="de-DE" err="1"/>
+              <a:t>command</a:t>
+            </a:r>
+            <a:endParaRPr lang="de-DE"/>
+          </a:p>
+          <a:p>
+            <a:pPr lvl="1">
+              <a:buFont typeface="Courier New" panose="020B0604020202020204" pitchFamily="34" charset="0"/>
+              <a:buChar char="o"/>
+            </a:pPr>
+            <a:r>
+              <a:rPr lang="de-DE"/>
+              <a:t>--</a:t>
+            </a:r>
+            <a:r>
+              <a:rPr lang="de-DE" err="1"/>
+              <a:t>classlist</a:t>
+            </a:r>
+            <a:r>
+              <a:rPr lang="de-DE"/>
+              <a:t> </a:t>
+            </a:r>
+            <a:r>
+              <a:rPr lang="de-DE" err="1"/>
+              <a:t>for</a:t>
+            </a:r>
+            <a:r>
+              <a:rPr lang="de-DE"/>
+              <a:t> </a:t>
+            </a:r>
+            <a:r>
+              <a:rPr lang="de-DE" err="1"/>
+              <a:t>six</a:t>
+            </a:r>
+            <a:r>
+              <a:rPr lang="de-DE"/>
+              <a:t> </a:t>
+            </a:r>
+            <a:r>
+              <a:rPr lang="de-DE" err="1"/>
+              <a:t>poorly</a:t>
+            </a:r>
+            <a:r>
+              <a:rPr lang="de-DE"/>
+              <a:t> </a:t>
+            </a:r>
+            <a:r>
+              <a:rPr lang="de-DE" err="1"/>
+              <a:t>tested</a:t>
+            </a:r>
+            <a:r>
+              <a:rPr lang="de-DE"/>
+              <a:t> </a:t>
+            </a:r>
+            <a:r>
+              <a:rPr lang="de-DE" err="1"/>
+              <a:t>classes</a:t>
+            </a:r>
+          </a:p>
+          <a:p>
+            <a:pPr lvl="1">
+              <a:buFont typeface="Courier New" panose="020B0604020202020204" pitchFamily="34" charset="0"/>
+              <a:buChar char="o"/>
+            </a:pPr>
+            <a:r>
+              <a:rPr lang="de-DE"/>
+              <a:t>--time-limit=600 (6*100)</a:t>
+            </a:r>
+          </a:p>
+          <a:p>
+            <a:pPr lvl="1">
+              <a:buFont typeface="Courier New" panose="020B0604020202020204" pitchFamily="34" charset="0"/>
+              <a:buChar char="o"/>
+            </a:pPr>
+            <a:r>
+              <a:rPr lang="de-DE"/>
+              <a:t>Explicit </a:t>
+            </a:r>
+            <a:r>
+              <a:rPr lang="de-DE" err="1"/>
+              <a:t>usage</a:t>
+            </a:r>
+            <a:r>
+              <a:rPr lang="de-DE"/>
+              <a:t> </a:t>
+            </a:r>
+            <a:r>
+              <a:rPr lang="de-DE" err="1"/>
+              <a:t>of</a:t>
+            </a:r>
+            <a:r>
+              <a:rPr lang="de-DE"/>
+              <a:t> </a:t>
+            </a:r>
+            <a:r>
+              <a:rPr lang="de-DE" err="1"/>
+              <a:t>java</a:t>
+            </a:r>
+            <a:r>
+              <a:rPr lang="de-DE"/>
+              <a:t> 11 </a:t>
+            </a:r>
+            <a:r>
+              <a:rPr lang="de-DE" err="1"/>
+              <a:t>for</a:t>
+            </a:r>
+            <a:r>
+              <a:rPr lang="de-DE"/>
+              <a:t> </a:t>
+            </a:r>
+            <a:r>
+              <a:rPr lang="de-DE" err="1"/>
+              <a:t>compatibility</a:t>
+            </a:r>
+            <a:endParaRPr lang="de-DE"/>
+          </a:p>
+          <a:p>
+            <a:r>
+              <a:rPr lang="de-DE" err="1"/>
+              <a:t>result</a:t>
+            </a:r>
+            <a:endParaRPr lang="de-DE"/>
+          </a:p>
+          <a:p>
+            <a:pPr lvl="1">
+              <a:buFont typeface="Courier New" panose="020B0604020202020204" pitchFamily="34" charset="0"/>
+              <a:buChar char="o"/>
+            </a:pPr>
+            <a:r>
+              <a:rPr lang="de-DE"/>
+              <a:t>&gt; 9000 </a:t>
+            </a:r>
+            <a:r>
+              <a:rPr lang="de-DE" err="1"/>
+              <a:t>regression</a:t>
+            </a:r>
+            <a:r>
+              <a:rPr lang="de-DE"/>
+              <a:t> </a:t>
+            </a:r>
+            <a:r>
+              <a:rPr lang="de-DE" err="1"/>
+              <a:t>tests</a:t>
+            </a:r>
+            <a:endParaRPr lang="de-DE"/>
+          </a:p>
+          <a:p>
+            <a:pPr lvl="1">
+              <a:buFont typeface="Courier New" panose="020B0604020202020204" pitchFamily="34" charset="0"/>
+              <a:buChar char="o"/>
+            </a:pPr>
+            <a:r>
+              <a:rPr lang="de-DE"/>
+              <a:t>Small </a:t>
+            </a:r>
+            <a:r>
+              <a:rPr lang="de-DE" err="1"/>
+              <a:t>varying</a:t>
+            </a:r>
+            <a:r>
+              <a:rPr lang="de-DE"/>
+              <a:t> </a:t>
+            </a:r>
+            <a:r>
+              <a:rPr lang="de-DE" err="1"/>
+              <a:t>improvements</a:t>
+            </a:r>
+            <a:r>
+              <a:rPr lang="de-DE"/>
+              <a:t> </a:t>
+            </a:r>
+            <a:r>
+              <a:rPr lang="de-DE" err="1"/>
+              <a:t>of</a:t>
+            </a:r>
+            <a:r>
+              <a:rPr lang="de-DE"/>
+              <a:t> </a:t>
+            </a:r>
+            <a:r>
+              <a:rPr lang="de-DE" err="1"/>
+              <a:t>the</a:t>
+            </a:r>
+            <a:r>
+              <a:rPr lang="de-DE"/>
+              <a:t> </a:t>
+            </a:r>
+            <a:r>
+              <a:rPr lang="de-DE" err="1"/>
+              <a:t>test</a:t>
+            </a:r>
+            <a:r>
+              <a:rPr lang="de-DE"/>
+              <a:t> </a:t>
+            </a:r>
+            <a:r>
+              <a:rPr lang="de-DE" err="1"/>
+              <a:t>coverages</a:t>
+            </a:r>
+            <a:endParaRPr lang="de-DE"/>
+          </a:p>
+          <a:p>
+            <a:pPr lvl="2">
+              <a:buFont typeface="Wingdings" panose="020B0604020202020204" pitchFamily="34" charset="0"/>
+              <a:buChar char="§"/>
+            </a:pPr>
+            <a:r>
+              <a:rPr lang="de-DE" err="1"/>
+              <a:t>Between</a:t>
+            </a:r>
+            <a:r>
+              <a:rPr lang="de-DE"/>
+              <a:t> 0 and 7% </a:t>
+            </a:r>
+            <a:r>
+              <a:rPr lang="de-DE" err="1"/>
+              <a:t>improvement</a:t>
+            </a:r>
+            <a:r>
+              <a:rPr lang="de-DE"/>
+              <a:t> in </a:t>
+            </a:r>
+            <a:r>
+              <a:rPr lang="de-DE" err="1"/>
+              <a:t>instruction</a:t>
+            </a:r>
+            <a:r>
+              <a:rPr lang="de-DE"/>
+              <a:t> </a:t>
+            </a:r>
+            <a:r>
+              <a:rPr lang="de-DE" err="1"/>
+              <a:t>coverage</a:t>
+            </a:r>
+          </a:p>
+          <a:p>
+            <a:pPr lvl="2">
+              <a:buFont typeface="Wingdings" panose="020B0604020202020204" pitchFamily="34" charset="0"/>
+              <a:buChar char="§"/>
+            </a:pPr>
+            <a:endParaRPr lang="de-DE"/>
+          </a:p>
+        </p:txBody>
+      </p:sp>
+    </p:spTree>
+    <p:extLst>
+      <p:ext uri="{BB962C8B-B14F-4D97-AF65-F5344CB8AC3E}">
+        <p14:creationId xmlns:p14="http://schemas.microsoft.com/office/powerpoint/2010/main" val="3399214711"/>
+      </p:ext>
+    </p:extLst>
+  </p:cSld>
+  <p:clrMapOvr>
+    <a:masterClrMapping/>
+  </p:clrMapOvr>
+</p:sld>
+</file>
+
+<file path=ppt/slides/slide16.xml><?xml version="1.0" encoding="utf-8"?>
+<p:sld xmlns:a="http://schemas.openxmlformats.org/drawingml/2006/main" xmlns:r="http://schemas.openxmlformats.org/officeDocument/2006/relationships" xmlns:p="http://schemas.openxmlformats.org/presentationml/2006/main">
+  <p:cSld>
+    <p:spTree>
+      <p:nvGrpSpPr>
+        <p:cNvPr id="1" name=""/>
+        <p:cNvGrpSpPr/>
+        <p:nvPr/>
+      </p:nvGrpSpPr>
+      <p:grpSpPr>
+        <a:xfrm>
+          <a:off x="0" y="0"/>
+          <a:ext cx="0" cy="0"/>
+          <a:chOff x="0" y="0"/>
+          <a:chExt cx="0" cy="0"/>
+        </a:xfrm>
+      </p:grpSpPr>
+      <p:sp>
+        <p:nvSpPr>
+          <p:cNvPr id="2" name="Titel 1">
+            <a:extLst>
+              <a:ext uri="{FF2B5EF4-FFF2-40B4-BE49-F238E27FC236}">
                 <a16:creationId xmlns:a16="http://schemas.microsoft.com/office/drawing/2014/main" id="{939C6652-5D47-1935-E6EE-43022B7F4F8D}"/>
               </a:ext>
             </a:extLst>
@@ -5815,7 +5905,7 @@
 </p:sld>
 </file>
 
-<file path=ppt/slides/slide16.xml><?xml version="1.0" encoding="utf-8"?>
+<file path=ppt/slides/slide17.xml><?xml version="1.0" encoding="utf-8"?>
 <p:sld xmlns:a="http://schemas.openxmlformats.org/drawingml/2006/main" xmlns:r="http://schemas.openxmlformats.org/officeDocument/2006/relationships" xmlns:p="http://schemas.openxmlformats.org/presentationml/2006/main" show="0">
   <p:cSld>
     <p:spTree>
@@ -6218,7 +6308,7 @@
 </p:sld>
 </file>
 
-<file path=ppt/slides/slide17.xml><?xml version="1.0" encoding="utf-8"?>
+<file path=ppt/slides/slide18.xml><?xml version="1.0" encoding="utf-8"?>
 <p:sld xmlns:a="http://schemas.openxmlformats.org/drawingml/2006/main" xmlns:r="http://schemas.openxmlformats.org/officeDocument/2006/relationships" xmlns:p="http://schemas.openxmlformats.org/presentationml/2006/main">
   <p:cSld>
     <p:spTree>
@@ -7105,7 +7195,7 @@
 </p:sld>
 </file>
 
-<file path=ppt/slides/slide18.xml><?xml version="1.0" encoding="utf-8"?>
+<file path=ppt/slides/slide19.xml><?xml version="1.0" encoding="utf-8"?>
 <p:sld xmlns:a="http://schemas.openxmlformats.org/drawingml/2006/main" xmlns:r="http://schemas.openxmlformats.org/officeDocument/2006/relationships" xmlns:p="http://schemas.openxmlformats.org/presentationml/2006/main">
   <p:cSld>
     <p:spTree>
@@ -7894,23 +7984,250 @@
             <p:ph idx="1"/>
           </p:nvPr>
         </p:nvSpPr>
-        <p:spPr/>
-        <p:txBody>
-          <a:bodyPr/>
+        <p:spPr>
+          <a:xfrm>
+            <a:off x="838200" y="1825625"/>
+            <a:ext cx="5986329" cy="4351338"/>
+          </a:xfrm>
+        </p:spPr>
+        <p:txBody>
+          <a:bodyPr vert="horz" lIns="91440" tIns="45720" rIns="91440" bIns="45720" rtlCol="0" anchor="t">
+            <a:normAutofit/>
+          </a:bodyPr>
           <a:lstStyle/>
           <a:p>
             <a:r>
-              <a:rPr lang="de-DE"/>
+              <a:rPr lang="de-DE" dirty="0"/>
               <a:t>Technology: </a:t>
             </a:r>
             <a:r>
-              <a:rPr lang="de-DE" err="1"/>
+              <a:rPr lang="de-DE" dirty="0" err="1"/>
               <a:t>Sonarcloud</a:t>
             </a:r>
             <a:endParaRPr lang="en-GB"/>
           </a:p>
-        </p:txBody>
-      </p:sp>
+          <a:p>
+            <a:r>
+              <a:rPr lang="de-DE" dirty="0"/>
+              <a:t>27 high </a:t>
+            </a:r>
+            <a:r>
+              <a:rPr lang="de-DE" dirty="0" err="1"/>
+              <a:t>severity</a:t>
+            </a:r>
+            <a:r>
+              <a:rPr lang="de-DE" dirty="0"/>
+              <a:t> </a:t>
+            </a:r>
+            <a:r>
+              <a:rPr lang="de-DE" dirty="0" err="1"/>
+              <a:t>issues</a:t>
+            </a:r>
+          </a:p>
+          <a:p>
+            <a:pPr lvl="1">
+              <a:buFont typeface="Courier New,monospace" panose="020B0604020202020204" pitchFamily="34" charset="0"/>
+              <a:buChar char="o"/>
+            </a:pPr>
+            <a:r>
+              <a:rPr lang="de-DE" dirty="0"/>
+              <a:t>16 </a:t>
+            </a:r>
+            <a:r>
+              <a:rPr lang="de-DE" dirty="0" err="1"/>
+              <a:t>tests</a:t>
+            </a:r>
+            <a:r>
+              <a:rPr lang="de-DE" dirty="0"/>
+              <a:t> </a:t>
+            </a:r>
+            <a:r>
+              <a:rPr lang="de-DE" dirty="0" err="1"/>
+              <a:t>without</a:t>
+            </a:r>
+            <a:r>
+              <a:rPr lang="de-DE" dirty="0"/>
+              <a:t> </a:t>
+            </a:r>
+            <a:r>
+              <a:rPr lang="de-DE" dirty="0" err="1"/>
+              <a:t>assertions</a:t>
+            </a:r>
+          </a:p>
+          <a:p>
+            <a:pPr lvl="1">
+              <a:buFont typeface="Courier New,monospace" panose="020B0604020202020204" pitchFamily="34" charset="0"/>
+              <a:buChar char="o"/>
+            </a:pPr>
+            <a:r>
+              <a:rPr lang="de-DE" dirty="0"/>
+              <a:t>6 </a:t>
+            </a:r>
+            <a:r>
+              <a:rPr lang="de-DE" dirty="0" err="1"/>
+              <a:t>empty</a:t>
+            </a:r>
+            <a:r>
+              <a:rPr lang="de-DE" dirty="0"/>
+              <a:t> </a:t>
+            </a:r>
+            <a:r>
+              <a:rPr lang="de-DE" dirty="0" err="1"/>
+              <a:t>methods</a:t>
+            </a:r>
+          </a:p>
+          <a:p>
+            <a:pPr lvl="1">
+              <a:buFont typeface="Courier New,monospace" panose="020B0604020202020204" pitchFamily="34" charset="0"/>
+              <a:buChar char="o"/>
+            </a:pPr>
+            <a:r>
+              <a:rPr lang="de-DE" dirty="0"/>
+              <a:t>3 </a:t>
+            </a:r>
+            <a:r>
+              <a:rPr lang="de-DE" dirty="0" err="1"/>
+              <a:t>repeated</a:t>
+            </a:r>
+            <a:r>
+              <a:rPr lang="de-DE" dirty="0"/>
+              <a:t> </a:t>
+            </a:r>
+            <a:r>
+              <a:rPr lang="de-DE" dirty="0" err="1"/>
+              <a:t>string</a:t>
+            </a:r>
+            <a:r>
+              <a:rPr lang="de-DE" dirty="0"/>
+              <a:t> literal </a:t>
+            </a:r>
+            <a:r>
+              <a:rPr lang="de-DE" dirty="0" err="1"/>
+              <a:t>duplication</a:t>
+            </a:r>
+            <a:endParaRPr lang="en-US" dirty="0" err="1"/>
+          </a:p>
+          <a:p>
+            <a:pPr lvl="1">
+              <a:buFont typeface="Courier New,monospace" panose="020B0604020202020204" pitchFamily="34" charset="0"/>
+              <a:buChar char="o"/>
+            </a:pPr>
+            <a:r>
+              <a:rPr lang="de-DE" dirty="0"/>
+              <a:t>2 high </a:t>
+            </a:r>
+            <a:r>
+              <a:rPr lang="de-DE" dirty="0" err="1"/>
+              <a:t>cognitive</a:t>
+            </a:r>
+            <a:r>
+              <a:rPr lang="de-DE" dirty="0"/>
+              <a:t> </a:t>
+            </a:r>
+            <a:r>
+              <a:rPr lang="de-DE" dirty="0" err="1"/>
+              <a:t>complexity</a:t>
+            </a:r>
+          </a:p>
+          <a:p>
+            <a:pPr>
+              <a:buFont typeface="Courier New,monospace" panose="020B0604020202020204" pitchFamily="34" charset="0"/>
+              <a:buChar char="o"/>
+            </a:pPr>
+            <a:endParaRPr lang="de-DE" dirty="0"/>
+          </a:p>
+          <a:p>
+            <a:pPr>
+              <a:buFont typeface="Courier New,monospace" panose="020B0604020202020204" pitchFamily="34" charset="0"/>
+              <a:buChar char="o"/>
+            </a:pPr>
+            <a:r>
+              <a:rPr lang="de-DE" dirty="0" err="1"/>
+              <a:t>Some</a:t>
+            </a:r>
+            <a:r>
+              <a:rPr lang="de-DE" dirty="0"/>
+              <a:t> </a:t>
+            </a:r>
+            <a:r>
+              <a:rPr lang="de-DE" dirty="0" err="1"/>
+              <a:t>issues</a:t>
+            </a:r>
+            <a:r>
+              <a:rPr lang="de-DE" dirty="0"/>
+              <a:t> </a:t>
+            </a:r>
+            <a:r>
+              <a:rPr lang="de-DE" dirty="0" err="1"/>
+              <a:t>were</a:t>
+            </a:r>
+            <a:r>
+              <a:rPr lang="de-DE" dirty="0"/>
+              <a:t> not </a:t>
+            </a:r>
+            <a:r>
+              <a:rPr lang="de-DE" dirty="0" err="1"/>
+              <a:t>fixed</a:t>
+            </a:r>
+          </a:p>
+          <a:p>
+            <a:pPr lvl="1">
+              <a:buFont typeface="Courier New,monospace" panose="020B0604020202020204" pitchFamily="34" charset="0"/>
+              <a:buChar char="o"/>
+            </a:pPr>
+            <a:r>
+              <a:rPr lang="de-DE" dirty="0"/>
+              <a:t>Seen </a:t>
+            </a:r>
+            <a:r>
+              <a:rPr lang="de-DE" dirty="0" err="1"/>
+              <a:t>as</a:t>
+            </a:r>
+            <a:r>
+              <a:rPr lang="de-DE" dirty="0"/>
+              <a:t> </a:t>
+            </a:r>
+            <a:r>
+              <a:rPr lang="de-DE" dirty="0" err="1"/>
+              <a:t>false</a:t>
+            </a:r>
+            <a:r>
+              <a:rPr lang="de-DE" dirty="0"/>
+              <a:t> positives</a:t>
+            </a:r>
+          </a:p>
+        </p:txBody>
+      </p:sp>
+      <p:pic>
+        <p:nvPicPr>
+          <p:cNvPr id="7" name="Grafik 6" descr="Ein Bild, das Text, Screenshot, Software, Schrift enthält.&#10;&#10;Beschreibung automatisch generiert.">
+            <a:extLst>
+              <a:ext uri="{FF2B5EF4-FFF2-40B4-BE49-F238E27FC236}">
+                <a16:creationId xmlns:a16="http://schemas.microsoft.com/office/drawing/2014/main" id="{2F6D601F-8912-1298-D27C-204C046A4C9C}"/>
+              </a:ext>
+            </a:extLst>
+          </p:cNvPr>
+          <p:cNvPicPr>
+            <a:picLocks noChangeAspect="1"/>
+          </p:cNvPicPr>
+          <p:nvPr/>
+        </p:nvPicPr>
+        <p:blipFill>
+          <a:blip r:embed="rId2"/>
+          <a:stretch>
+            <a:fillRect/>
+          </a:stretch>
+        </p:blipFill>
+        <p:spPr>
+          <a:xfrm>
+            <a:off x="6309131" y="2105012"/>
+            <a:ext cx="5880849" cy="3328832"/>
+          </a:xfrm>
+          <a:prstGeom prst="rect">
+            <a:avLst/>
+          </a:prstGeom>
+        </p:spPr>
+      </p:pic>
     </p:spTree>
     <p:extLst>
       <p:ext uri="{BB962C8B-B14F-4D97-AF65-F5344CB8AC3E}">
@@ -8171,320 +8488,470 @@
             </a:br>
             <a:r>
               <a:rPr lang="de-DE" dirty="0"/>
-              <a:t>Software Tests Generation</a:t>
-            </a:r>
-            <a:endParaRPr lang="en-GB" dirty="0"/>
-          </a:p>
-        </p:txBody>
-      </p:sp>
-      <p:sp>
-        <p:nvSpPr>
-          <p:cNvPr id="3" name="Inhaltsplatzhalter 2">
-            <a:extLst>
-              <a:ext uri="{FF2B5EF4-FFF2-40B4-BE49-F238E27FC236}">
-                <a16:creationId xmlns:a16="http://schemas.microsoft.com/office/drawing/2014/main" id="{1B486C64-CDF5-CA46-4C27-3BE74EBEFF8E}"/>
-              </a:ext>
-            </a:extLst>
-          </p:cNvPr>
-          <p:cNvSpPr>
-            <a:spLocks noGrp="1"/>
-          </p:cNvSpPr>
-          <p:nvPr>
-            <p:ph idx="1"/>
-          </p:nvPr>
-        </p:nvSpPr>
-        <p:spPr/>
+              <a:t>Software Tests Generation - </a:t>
+            </a:r>
+            <a:r>
+              <a:rPr lang="de-DE" dirty="0" err="1"/>
+              <a:t>Randoop</a:t>
+            </a:r>
+            <a:endParaRPr lang="en-GB" dirty="0" err="1"/>
+          </a:p>
+        </p:txBody>
+      </p:sp>
+      <p:sp>
+        <p:nvSpPr>
+          <p:cNvPr id="7" name="Inhaltsplatzhalter 2">
+            <a:extLst>
+              <a:ext uri="{FF2B5EF4-FFF2-40B4-BE49-F238E27FC236}">
+                <a16:creationId xmlns:a16="http://schemas.microsoft.com/office/drawing/2014/main" id="{7739857C-6CC2-03E6-C02B-2C895FC4818D}"/>
+              </a:ext>
+            </a:extLst>
+          </p:cNvPr>
+          <p:cNvSpPr txBox="1">
+            <a:spLocks/>
+          </p:cNvSpPr>
+          <p:nvPr/>
+        </p:nvSpPr>
+        <p:spPr>
+          <a:xfrm>
+            <a:off x="990600" y="1978025"/>
+            <a:ext cx="10515600" cy="4351338"/>
+          </a:xfrm>
+          <a:prstGeom prst="rect">
+            <a:avLst/>
+          </a:prstGeom>
+        </p:spPr>
         <p:txBody>
           <a:bodyPr vert="horz" lIns="91440" tIns="45720" rIns="91440" bIns="45720" rtlCol="0" anchor="t">
             <a:normAutofit/>
           </a:bodyPr>
-          <a:lstStyle/>
-          <a:p>
-            <a:r>
-              <a:rPr lang="de-DE" dirty="0" err="1"/>
-              <a:t>For</a:t>
-            </a:r>
-            <a:r>
-              <a:rPr lang="de-DE" dirty="0"/>
-              <a:t> </a:t>
-            </a:r>
-            <a:r>
-              <a:rPr lang="de-DE" dirty="0" err="1"/>
-              <a:t>three</a:t>
-            </a:r>
-            <a:r>
-              <a:rPr lang="de-DE" dirty="0"/>
-              <a:t> least </a:t>
-            </a:r>
-            <a:r>
-              <a:rPr lang="de-DE" dirty="0" err="1"/>
-              <a:t>tested</a:t>
-            </a:r>
-            <a:r>
-              <a:rPr lang="de-DE" dirty="0"/>
-              <a:t> </a:t>
-            </a:r>
-            <a:r>
-              <a:rPr lang="de-DE" dirty="0" err="1"/>
-              <a:t>classes</a:t>
-            </a:r>
-          </a:p>
-          <a:p>
-            <a:r>
-              <a:rPr lang="de-DE" dirty="0" err="1"/>
-              <a:t>Github</a:t>
-            </a:r>
-            <a:r>
-              <a:rPr lang="de-DE" dirty="0"/>
-              <a:t> Copilot </a:t>
-            </a:r>
-            <a:r>
-              <a:rPr lang="de-DE" dirty="0" err="1"/>
-              <a:t>chat</a:t>
-            </a:r>
-            <a:r>
-              <a:rPr lang="de-DE" dirty="0"/>
-              <a:t> </a:t>
-            </a:r>
-            <a:r>
-              <a:rPr lang="de-DE" dirty="0" err="1"/>
-              <a:t>as</a:t>
-            </a:r>
-            <a:r>
-              <a:rPr lang="de-DE" dirty="0"/>
-              <a:t> </a:t>
-            </a:r>
-            <a:r>
-              <a:rPr lang="de-DE" dirty="0" err="1"/>
-              <a:t>IntelliJ</a:t>
-            </a:r>
-            <a:r>
-              <a:rPr lang="de-DE" dirty="0"/>
-              <a:t> </a:t>
-            </a:r>
-            <a:r>
-              <a:rPr lang="de-DE" dirty="0" err="1"/>
-              <a:t>plugin</a:t>
-            </a:r>
-          </a:p>
-          <a:p>
-            <a:r>
-              <a:rPr lang="de-DE" dirty="0"/>
-              <a:t>Generating </a:t>
-            </a:r>
-            <a:r>
-              <a:rPr lang="de-DE" dirty="0" err="1"/>
-              <a:t>process</a:t>
-            </a:r>
+          <a:lstStyle>
+            <a:lvl1pPr marL="228600" indent="-228600" algn="l" defTabSz="914400" rtl="0" eaLnBrk="1" latinLnBrk="0" hangingPunct="1">
+              <a:lnSpc>
+                <a:spcPct val="90000"/>
+              </a:lnSpc>
+              <a:spcBef>
+                <a:spcPts val="1000"/>
+              </a:spcBef>
+              <a:buFont typeface="Arial" panose="020B0604020202020204" pitchFamily="34" charset="0"/>
+              <a:buChar char="•"/>
+              <a:defRPr sz="2800" kern="1200">
+                <a:solidFill>
+                  <a:schemeClr val="tx1"/>
+                </a:solidFill>
+                <a:latin typeface="+mn-lt"/>
+                <a:ea typeface="+mn-ea"/>
+                <a:cs typeface="+mn-cs"/>
+              </a:defRPr>
+            </a:lvl1pPr>
+            <a:lvl2pPr marL="685800" indent="-228600" algn="l" defTabSz="914400" rtl="0" eaLnBrk="1" latinLnBrk="0" hangingPunct="1">
+              <a:lnSpc>
+                <a:spcPct val="90000"/>
+              </a:lnSpc>
+              <a:spcBef>
+                <a:spcPts val="500"/>
+              </a:spcBef>
+              <a:buFont typeface="Arial" panose="020B0604020202020204" pitchFamily="34" charset="0"/>
+              <a:buChar char="•"/>
+              <a:defRPr sz="2400" kern="1200">
+                <a:solidFill>
+                  <a:schemeClr val="tx1"/>
+                </a:solidFill>
+                <a:latin typeface="+mn-lt"/>
+                <a:ea typeface="+mn-ea"/>
+                <a:cs typeface="+mn-cs"/>
+              </a:defRPr>
+            </a:lvl2pPr>
+            <a:lvl3pPr marL="1143000" indent="-228600" algn="l" defTabSz="914400" rtl="0" eaLnBrk="1" latinLnBrk="0" hangingPunct="1">
+              <a:lnSpc>
+                <a:spcPct val="90000"/>
+              </a:lnSpc>
+              <a:spcBef>
+                <a:spcPts val="500"/>
+              </a:spcBef>
+              <a:buFont typeface="Arial" panose="020B0604020202020204" pitchFamily="34" charset="0"/>
+              <a:buChar char="•"/>
+              <a:defRPr sz="2000" kern="1200">
+                <a:solidFill>
+                  <a:schemeClr val="tx1"/>
+                </a:solidFill>
+                <a:latin typeface="+mn-lt"/>
+                <a:ea typeface="+mn-ea"/>
+                <a:cs typeface="+mn-cs"/>
+              </a:defRPr>
+            </a:lvl3pPr>
+            <a:lvl4pPr marL="1600200" indent="-228600" algn="l" defTabSz="914400" rtl="0" eaLnBrk="1" latinLnBrk="0" hangingPunct="1">
+              <a:lnSpc>
+                <a:spcPct val="90000"/>
+              </a:lnSpc>
+              <a:spcBef>
+                <a:spcPts val="500"/>
+              </a:spcBef>
+              <a:buFont typeface="Arial" panose="020B0604020202020204" pitchFamily="34" charset="0"/>
+              <a:buChar char="•"/>
+              <a:defRPr sz="1800" kern="1200">
+                <a:solidFill>
+                  <a:schemeClr val="tx1"/>
+                </a:solidFill>
+                <a:latin typeface="+mn-lt"/>
+                <a:ea typeface="+mn-ea"/>
+                <a:cs typeface="+mn-cs"/>
+              </a:defRPr>
+            </a:lvl4pPr>
+            <a:lvl5pPr marL="2057400" indent="-228600" algn="l" defTabSz="914400" rtl="0" eaLnBrk="1" latinLnBrk="0" hangingPunct="1">
+              <a:lnSpc>
+                <a:spcPct val="90000"/>
+              </a:lnSpc>
+              <a:spcBef>
+                <a:spcPts val="500"/>
+              </a:spcBef>
+              <a:buFont typeface="Arial" panose="020B0604020202020204" pitchFamily="34" charset="0"/>
+              <a:buChar char="•"/>
+              <a:defRPr sz="1800" kern="1200">
+                <a:solidFill>
+                  <a:schemeClr val="tx1"/>
+                </a:solidFill>
+                <a:latin typeface="+mn-lt"/>
+                <a:ea typeface="+mn-ea"/>
+                <a:cs typeface="+mn-cs"/>
+              </a:defRPr>
+            </a:lvl5pPr>
+            <a:lvl6pPr marL="2514600" indent="-228600" algn="l" defTabSz="914400" rtl="0" eaLnBrk="1" latinLnBrk="0" hangingPunct="1">
+              <a:lnSpc>
+                <a:spcPct val="90000"/>
+              </a:lnSpc>
+              <a:spcBef>
+                <a:spcPts val="500"/>
+              </a:spcBef>
+              <a:buFont typeface="Arial" panose="020B0604020202020204" pitchFamily="34" charset="0"/>
+              <a:buChar char="•"/>
+              <a:defRPr sz="1800" kern="1200">
+                <a:solidFill>
+                  <a:schemeClr val="tx1"/>
+                </a:solidFill>
+                <a:latin typeface="+mn-lt"/>
+                <a:ea typeface="+mn-ea"/>
+                <a:cs typeface="+mn-cs"/>
+              </a:defRPr>
+            </a:lvl6pPr>
+            <a:lvl7pPr marL="2971800" indent="-228600" algn="l" defTabSz="914400" rtl="0" eaLnBrk="1" latinLnBrk="0" hangingPunct="1">
+              <a:lnSpc>
+                <a:spcPct val="90000"/>
+              </a:lnSpc>
+              <a:spcBef>
+                <a:spcPts val="500"/>
+              </a:spcBef>
+              <a:buFont typeface="Arial" panose="020B0604020202020204" pitchFamily="34" charset="0"/>
+              <a:buChar char="•"/>
+              <a:defRPr sz="1800" kern="1200">
+                <a:solidFill>
+                  <a:schemeClr val="tx1"/>
+                </a:solidFill>
+                <a:latin typeface="+mn-lt"/>
+                <a:ea typeface="+mn-ea"/>
+                <a:cs typeface="+mn-cs"/>
+              </a:defRPr>
+            </a:lvl7pPr>
+            <a:lvl8pPr marL="3429000" indent="-228600" algn="l" defTabSz="914400" rtl="0" eaLnBrk="1" latinLnBrk="0" hangingPunct="1">
+              <a:lnSpc>
+                <a:spcPct val="90000"/>
+              </a:lnSpc>
+              <a:spcBef>
+                <a:spcPts val="500"/>
+              </a:spcBef>
+              <a:buFont typeface="Arial" panose="020B0604020202020204" pitchFamily="34" charset="0"/>
+              <a:buChar char="•"/>
+              <a:defRPr sz="1800" kern="1200">
+                <a:solidFill>
+                  <a:schemeClr val="tx1"/>
+                </a:solidFill>
+                <a:latin typeface="+mn-lt"/>
+                <a:ea typeface="+mn-ea"/>
+                <a:cs typeface="+mn-cs"/>
+              </a:defRPr>
+            </a:lvl8pPr>
+            <a:lvl9pPr marL="3886200" indent="-228600" algn="l" defTabSz="914400" rtl="0" eaLnBrk="1" latinLnBrk="0" hangingPunct="1">
+              <a:lnSpc>
+                <a:spcPct val="90000"/>
+              </a:lnSpc>
+              <a:spcBef>
+                <a:spcPts val="500"/>
+              </a:spcBef>
+              <a:buFont typeface="Arial" panose="020B0604020202020204" pitchFamily="34" charset="0"/>
+              <a:buChar char="•"/>
+              <a:defRPr sz="1800" kern="1200">
+                <a:solidFill>
+                  <a:schemeClr val="tx1"/>
+                </a:solidFill>
+                <a:latin typeface="+mn-lt"/>
+                <a:ea typeface="+mn-ea"/>
+                <a:cs typeface="+mn-cs"/>
+              </a:defRPr>
+            </a:lvl9pPr>
+          </a:lstStyle>
+          <a:p>
+            <a:r>
+              <a:rPr lang="de-DE"/>
+              <a:t>Settings </a:t>
+            </a:r>
+            <a:r>
+              <a:rPr lang="de-DE" err="1"/>
+              <a:t>for</a:t>
+            </a:r>
+            <a:r>
+              <a:rPr lang="de-DE"/>
+              <a:t> </a:t>
+            </a:r>
+            <a:r>
+              <a:rPr lang="de-DE" err="1"/>
+              <a:t>generation</a:t>
+            </a:r>
+            <a:r>
+              <a:rPr lang="de-DE"/>
+              <a:t> </a:t>
+            </a:r>
+            <a:r>
+              <a:rPr lang="de-DE" err="1"/>
+              <a:t>command</a:t>
+            </a:r>
+            <a:endParaRPr lang="de-DE"/>
           </a:p>
           <a:p>
             <a:pPr lvl="1">
-              <a:buFont typeface="Courier New,monospace" panose="020B0604020202020204" pitchFamily="34" charset="0"/>
+              <a:buFont typeface="Courier New" panose="020B0604020202020204" pitchFamily="34" charset="0"/>
               <a:buChar char="o"/>
             </a:pPr>
             <a:r>
-              <a:rPr lang="de-DE" dirty="0"/>
-              <a:t>Prompt </a:t>
-            </a:r>
-            <a:r>
-              <a:rPr lang="de-DE" dirty="0" err="1"/>
-              <a:t>fine</a:t>
-            </a:r>
-            <a:r>
-              <a:rPr lang="de-DE" dirty="0"/>
-              <a:t>-tuning </a:t>
-            </a:r>
-            <a:r>
-              <a:rPr lang="de-DE" dirty="0" err="1"/>
+              <a:rPr lang="de-DE"/>
+              <a:t>--</a:t>
+            </a:r>
+            <a:r>
+              <a:rPr lang="de-DE" err="1"/>
+              <a:t>classlist</a:t>
+            </a:r>
+            <a:r>
+              <a:rPr lang="de-DE"/>
+              <a:t> </a:t>
+            </a:r>
+            <a:r>
+              <a:rPr lang="de-DE" err="1"/>
               <a:t>for</a:t>
             </a:r>
             <a:r>
-              <a:rPr lang="de-DE" dirty="0"/>
-              <a:t> </a:t>
-            </a:r>
-            <a:r>
-              <a:rPr lang="de-DE" dirty="0" err="1"/>
-              <a:t>better</a:t>
-            </a:r>
-            <a:r>
-              <a:rPr lang="de-DE" dirty="0"/>
-              <a:t> / </a:t>
-            </a:r>
-            <a:r>
-              <a:rPr lang="de-DE" dirty="0" err="1"/>
-              <a:t>working</a:t>
-            </a:r>
-            <a:r>
-              <a:rPr lang="de-DE" dirty="0"/>
-              <a:t> </a:t>
-            </a:r>
-            <a:r>
-              <a:rPr lang="de-DE" dirty="0" err="1"/>
-              <a:t>results</a:t>
+              <a:rPr lang="de-DE"/>
+              <a:t> </a:t>
+            </a:r>
+            <a:r>
+              <a:rPr lang="de-DE" err="1"/>
+              <a:t>six</a:t>
+            </a:r>
+            <a:r>
+              <a:rPr lang="de-DE"/>
+              <a:t> </a:t>
+            </a:r>
+            <a:r>
+              <a:rPr lang="de-DE" err="1"/>
+              <a:t>poorly</a:t>
+            </a:r>
+            <a:r>
+              <a:rPr lang="de-DE"/>
+              <a:t> </a:t>
+            </a:r>
+            <a:r>
+              <a:rPr lang="de-DE" err="1"/>
+              <a:t>tested</a:t>
+            </a:r>
+            <a:r>
+              <a:rPr lang="de-DE"/>
+              <a:t> </a:t>
+            </a:r>
+            <a:r>
+              <a:rPr lang="de-DE" err="1"/>
+              <a:t>classes</a:t>
             </a:r>
           </a:p>
           <a:p>
             <a:pPr lvl="1">
-              <a:buFont typeface="Courier New,monospace" panose="020B0604020202020204" pitchFamily="34" charset="0"/>
+              <a:buFont typeface="Courier New" panose="020B0604020202020204" pitchFamily="34" charset="0"/>
               <a:buChar char="o"/>
             </a:pPr>
             <a:r>
-              <a:rPr lang="de-DE" dirty="0" err="1"/>
-              <a:t>Iteratively</a:t>
-            </a:r>
-            <a:r>
-              <a:rPr lang="de-DE" dirty="0"/>
-              <a:t> </a:t>
-            </a:r>
-            <a:r>
-              <a:rPr lang="de-DE" dirty="0" err="1"/>
-              <a:t>repeating</a:t>
-            </a:r>
-            <a:r>
-              <a:rPr lang="de-DE" dirty="0"/>
-              <a:t> </a:t>
-            </a:r>
-            <a:r>
-              <a:rPr lang="de-DE" dirty="0" err="1"/>
-              <a:t>prompts</a:t>
-            </a:r>
-            <a:r>
-              <a:rPr lang="de-DE" dirty="0"/>
-              <a:t> </a:t>
-            </a:r>
-            <a:r>
-              <a:rPr lang="de-DE" dirty="0" err="1"/>
-              <a:t>to</a:t>
-            </a:r>
-            <a:r>
-              <a:rPr lang="de-DE" dirty="0"/>
-              <a:t> </a:t>
-            </a:r>
-            <a:r>
-              <a:rPr lang="de-DE" dirty="0" err="1"/>
-              <a:t>avoid</a:t>
-            </a:r>
-            <a:r>
-              <a:rPr lang="de-DE" dirty="0"/>
-              <a:t> </a:t>
-            </a:r>
-            <a:r>
-              <a:rPr lang="de-DE" dirty="0" err="1"/>
-              <a:t>output</a:t>
-            </a:r>
-            <a:r>
-              <a:rPr lang="de-DE" dirty="0"/>
-              <a:t> </a:t>
-            </a:r>
-            <a:r>
-              <a:rPr lang="de-DE" dirty="0" err="1"/>
-              <a:t>limit</a:t>
-            </a:r>
-            <a:endParaRPr lang="en-US" dirty="0" err="1"/>
+              <a:rPr lang="de-DE"/>
+              <a:t>--time-limit=600 (6*100)</a:t>
+            </a:r>
           </a:p>
           <a:p>
             <a:pPr lvl="1">
-              <a:buFont typeface="Courier New,monospace" panose="020B0604020202020204" pitchFamily="34" charset="0"/>
+              <a:buFont typeface="Courier New" panose="020B0604020202020204" pitchFamily="34" charset="0"/>
               <a:buChar char="o"/>
             </a:pPr>
             <a:r>
-              <a:rPr lang="de-DE" dirty="0" err="1"/>
-              <a:t>Deleting</a:t>
-            </a:r>
-            <a:r>
-              <a:rPr lang="de-DE" dirty="0"/>
-              <a:t> </a:t>
-            </a:r>
-            <a:r>
-              <a:rPr lang="de-DE" dirty="0" err="1"/>
-              <a:t>duplicate</a:t>
-            </a:r>
-            <a:r>
-              <a:rPr lang="de-DE" dirty="0"/>
-              <a:t> </a:t>
-            </a:r>
-            <a:r>
-              <a:rPr lang="de-DE" dirty="0" err="1"/>
-              <a:t>test</a:t>
-            </a:r>
-            <a:r>
-              <a:rPr lang="de-DE" dirty="0"/>
-              <a:t> </a:t>
-            </a:r>
-            <a:r>
-              <a:rPr lang="de-DE" dirty="0" err="1"/>
-              <a:t>methods</a:t>
-            </a:r>
-            <a:endParaRPr lang="en-US" dirty="0" err="1"/>
-          </a:p>
-          <a:p>
-            <a:pPr>
-              <a:buFont typeface="Courier New,monospace" panose="020B0604020202020204" pitchFamily="34" charset="0"/>
+              <a:rPr lang="de-DE"/>
+              <a:t>Explicit </a:t>
+            </a:r>
+            <a:r>
+              <a:rPr lang="de-DE" err="1"/>
+              <a:t>usage</a:t>
+            </a:r>
+            <a:r>
+              <a:rPr lang="de-DE"/>
+              <a:t> </a:t>
+            </a:r>
+            <a:r>
+              <a:rPr lang="de-DE" err="1"/>
+              <a:t>of</a:t>
+            </a:r>
+            <a:r>
+              <a:rPr lang="de-DE"/>
+              <a:t> </a:t>
+            </a:r>
+            <a:r>
+              <a:rPr lang="de-DE" err="1"/>
+              <a:t>java</a:t>
+            </a:r>
+            <a:r>
+              <a:rPr lang="de-DE"/>
+              <a:t> 11 </a:t>
+            </a:r>
+            <a:r>
+              <a:rPr lang="de-DE" err="1"/>
+              <a:t>for</a:t>
+            </a:r>
+            <a:r>
+              <a:rPr lang="de-DE"/>
+              <a:t> </a:t>
+            </a:r>
+            <a:r>
+              <a:rPr lang="de-DE" err="1"/>
+              <a:t>compatibility</a:t>
+            </a:r>
+            <a:endParaRPr lang="de-DE"/>
+          </a:p>
+          <a:p>
+            <a:r>
+              <a:rPr lang="de-DE" err="1"/>
+              <a:t>result</a:t>
+            </a:r>
+            <a:endParaRPr lang="de-DE"/>
+          </a:p>
+          <a:p>
+            <a:pPr lvl="1">
+              <a:buFont typeface="Courier New" panose="020B0604020202020204" pitchFamily="34" charset="0"/>
               <a:buChar char="o"/>
             </a:pPr>
             <a:r>
-              <a:rPr lang="de-DE" dirty="0" err="1"/>
-              <a:t>Results</a:t>
-            </a:r>
-            <a:endParaRPr lang="en-US" dirty="0" err="1"/>
+              <a:rPr lang="de-DE"/>
+              <a:t>&gt; 9000 </a:t>
+            </a:r>
+            <a:r>
+              <a:rPr lang="de-DE" err="1"/>
+              <a:t>regression</a:t>
+            </a:r>
+            <a:r>
+              <a:rPr lang="de-DE"/>
+              <a:t> </a:t>
+            </a:r>
+            <a:r>
+              <a:rPr lang="de-DE" err="1"/>
+              <a:t>tests</a:t>
+            </a:r>
+            <a:endParaRPr lang="de-DE"/>
           </a:p>
           <a:p>
             <a:pPr lvl="1">
-              <a:buFont typeface="Courier New,monospace" panose="020B0604020202020204" pitchFamily="34" charset="0"/>
+              <a:buFont typeface="Courier New" panose="020B0604020202020204" pitchFamily="34" charset="0"/>
               <a:buChar char="o"/>
             </a:pPr>
             <a:r>
-              <a:rPr lang="de-DE" dirty="0"/>
-              <a:t>&gt; 200 </a:t>
-            </a:r>
-            <a:r>
-              <a:rPr lang="de-DE" dirty="0" err="1"/>
+              <a:rPr lang="de-DE"/>
+              <a:t>Small </a:t>
+            </a:r>
+            <a:r>
+              <a:rPr lang="de-DE" err="1"/>
+              <a:t>varying</a:t>
+            </a:r>
+            <a:r>
+              <a:rPr lang="de-DE"/>
+              <a:t> </a:t>
+            </a:r>
+            <a:r>
+              <a:rPr lang="de-DE" err="1"/>
+              <a:t>improvements</a:t>
+            </a:r>
+            <a:r>
+              <a:rPr lang="de-DE"/>
+              <a:t> </a:t>
+            </a:r>
+            <a:r>
+              <a:rPr lang="de-DE" err="1"/>
+              <a:t>of</a:t>
+            </a:r>
+            <a:r>
+              <a:rPr lang="de-DE"/>
+              <a:t> </a:t>
+            </a:r>
+            <a:r>
+              <a:rPr lang="de-DE" err="1"/>
+              <a:t>the</a:t>
+            </a:r>
+            <a:r>
+              <a:rPr lang="de-DE"/>
+              <a:t> </a:t>
+            </a:r>
+            <a:r>
+              <a:rPr lang="de-DE" err="1"/>
               <a:t>test</a:t>
             </a:r>
             <a:r>
-              <a:rPr lang="de-DE" dirty="0"/>
-              <a:t> </a:t>
-            </a:r>
-            <a:r>
-              <a:rPr lang="de-DE" dirty="0" err="1"/>
-              <a:t>methods</a:t>
-            </a:r>
-            <a:endParaRPr lang="en-US" dirty="0" err="1"/>
-          </a:p>
-          <a:p>
-            <a:pPr lvl="1">
-              <a:buFont typeface="Courier New,monospace" panose="020B0604020202020204" pitchFamily="34" charset="0"/>
-              <a:buChar char="o"/>
+              <a:rPr lang="de-DE"/>
+              <a:t> </a:t>
+            </a:r>
+            <a:r>
+              <a:rPr lang="de-DE" err="1"/>
+              <a:t>coverages</a:t>
+            </a:r>
+            <a:endParaRPr lang="de-DE"/>
+          </a:p>
+          <a:p>
+            <a:pPr lvl="2">
+              <a:buFont typeface="Wingdings" panose="020B0604020202020204" pitchFamily="34" charset="0"/>
+              <a:buChar char="§"/>
             </a:pPr>
             <a:r>
-              <a:rPr lang="de-DE" dirty="0"/>
-              <a:t>Test </a:t>
-            </a:r>
-            <a:r>
-              <a:rPr lang="de-DE" dirty="0" err="1"/>
+              <a:rPr lang="de-DE" err="1"/>
+              <a:t>Between</a:t>
+            </a:r>
+            <a:r>
+              <a:rPr lang="de-DE"/>
+              <a:t> 0 and 7% </a:t>
+            </a:r>
+            <a:r>
+              <a:rPr lang="de-DE" err="1"/>
+              <a:t>improvement</a:t>
+            </a:r>
+            <a:r>
+              <a:rPr lang="de-DE"/>
+              <a:t> in </a:t>
+            </a:r>
+            <a:r>
+              <a:rPr lang="de-DE" err="1"/>
+              <a:t>instruction</a:t>
+            </a:r>
+            <a:r>
+              <a:rPr lang="de-DE"/>
+              <a:t> </a:t>
+            </a:r>
+            <a:r>
+              <a:rPr lang="de-DE" err="1"/>
               <a:t>coverage</a:t>
             </a:r>
-            <a:r>
-              <a:rPr lang="de-DE" dirty="0"/>
-              <a:t> </a:t>
-            </a:r>
-            <a:r>
-              <a:rPr lang="de-DE" dirty="0" err="1"/>
-              <a:t>improved</a:t>
-            </a:r>
-            <a:r>
-              <a:rPr lang="de-DE" dirty="0"/>
-              <a:t> </a:t>
-            </a:r>
-            <a:r>
-              <a:rPr lang="de-DE" dirty="0" err="1"/>
-              <a:t>to</a:t>
-            </a:r>
-            <a:r>
-              <a:rPr lang="de-DE" dirty="0"/>
-              <a:t> ~80%</a:t>
-            </a:r>
-            <a:endParaRPr lang="en-GB" dirty="0"/>
+          </a:p>
+          <a:p>
+            <a:pPr lvl="2">
+              <a:buFont typeface="Wingdings" panose="020B0604020202020204" pitchFamily="34" charset="0"/>
+              <a:buChar char="§"/>
+            </a:pPr>
+            <a:endParaRPr lang="de-DE"/>
           </a:p>
         </p:txBody>
       </p:sp>
@@ -8523,7 +8990,7 @@
           <p:cNvPr id="2" name="Titel 1">
             <a:extLst>
               <a:ext uri="{FF2B5EF4-FFF2-40B4-BE49-F238E27FC236}">
-                <a16:creationId xmlns:a16="http://schemas.microsoft.com/office/drawing/2014/main" id="{BDBFE3EA-266B-76E7-627A-4E79D650C893}"/>
+                <a16:creationId xmlns:a16="http://schemas.microsoft.com/office/drawing/2014/main" id="{70675DAD-2C73-5902-A0AD-4C1E84211340}"/>
               </a:ext>
             </a:extLst>
           </p:cNvPr>
@@ -8540,14 +9007,45 @@
           <a:lstStyle/>
           <a:p>
             <a:r>
-              <a:rPr lang="de-DE" err="1"/>
+              <a:rPr lang="de-DE" dirty="0" err="1"/>
+              <a:t>Methodological</a:t>
+            </a:r>
+            <a:r>
+              <a:rPr lang="de-DE" dirty="0"/>
+              <a:t> </a:t>
+            </a:r>
+            <a:r>
+              <a:rPr lang="de-DE" dirty="0" err="1"/>
+              <a:t>Steps</a:t>
+            </a:r>
+            <a:r>
+              <a:rPr lang="de-DE" dirty="0"/>
+              <a:t> &amp; </a:t>
+            </a:r>
+            <a:r>
+              <a:rPr lang="de-DE" dirty="0" err="1"/>
               <a:t>Results</a:t>
             </a:r>
             <a:r>
-              <a:rPr lang="de-DE"/>
-              <a:t>: Performance </a:t>
-            </a:r>
-            <a:endParaRPr lang="en-GB"/>
+              <a:rPr lang="de-DE" dirty="0"/>
+              <a:t>: </a:t>
+            </a:r>
+            <a:br>
+              <a:rPr lang="de-DE" dirty="0"/>
+            </a:br>
+            <a:r>
+              <a:rPr lang="de-DE" dirty="0"/>
+              <a:t>Software Tests Generation – </a:t>
+            </a:r>
+            <a:r>
+              <a:rPr lang="de-DE" dirty="0" err="1"/>
+              <a:t>Github</a:t>
+            </a:r>
+            <a:r>
+              <a:rPr lang="de-DE" dirty="0"/>
+              <a:t> Copilot</a:t>
+            </a:r>
+            <a:endParaRPr lang="en-GB" dirty="0"/>
           </a:p>
         </p:txBody>
       </p:sp>
@@ -8556,7 +9054,7 @@
           <p:cNvPr id="3" name="Inhaltsplatzhalter 2">
             <a:extLst>
               <a:ext uri="{FF2B5EF4-FFF2-40B4-BE49-F238E27FC236}">
-                <a16:creationId xmlns:a16="http://schemas.microsoft.com/office/drawing/2014/main" id="{0DB4E662-2793-83CB-79F8-09C1463590FC}"/>
+                <a16:creationId xmlns:a16="http://schemas.microsoft.com/office/drawing/2014/main" id="{1B486C64-CDF5-CA46-4C27-3BE74EBEFF8E}"/>
               </a:ext>
             </a:extLst>
           </p:cNvPr>
@@ -8569,17 +9067,303 @@
         </p:nvSpPr>
         <p:spPr/>
         <p:txBody>
-          <a:bodyPr/>
+          <a:bodyPr vert="horz" lIns="91440" tIns="45720" rIns="91440" bIns="45720" rtlCol="0" anchor="t">
+            <a:normAutofit/>
+          </a:bodyPr>
           <a:lstStyle/>
           <a:p>
-            <a:endParaRPr lang="en-GB"/>
+            <a:r>
+              <a:rPr lang="de-DE" dirty="0" err="1"/>
+              <a:t>For</a:t>
+            </a:r>
+            <a:r>
+              <a:rPr lang="de-DE" dirty="0"/>
+              <a:t> </a:t>
+            </a:r>
+            <a:r>
+              <a:rPr lang="de-DE" dirty="0" err="1"/>
+              <a:t>three</a:t>
+            </a:r>
+            <a:r>
+              <a:rPr lang="de-DE" dirty="0"/>
+              <a:t> least </a:t>
+            </a:r>
+            <a:r>
+              <a:rPr lang="de-DE" dirty="0" err="1"/>
+              <a:t>tested</a:t>
+            </a:r>
+            <a:r>
+              <a:rPr lang="de-DE" dirty="0"/>
+              <a:t> </a:t>
+            </a:r>
+            <a:r>
+              <a:rPr lang="de-DE" dirty="0" err="1"/>
+              <a:t>classes</a:t>
+            </a:r>
+          </a:p>
+          <a:p>
+            <a:r>
+              <a:rPr lang="de-DE" dirty="0" err="1"/>
+              <a:t>Github</a:t>
+            </a:r>
+            <a:r>
+              <a:rPr lang="de-DE" dirty="0"/>
+              <a:t> Copilot </a:t>
+            </a:r>
+            <a:r>
+              <a:rPr lang="de-DE" dirty="0" err="1"/>
+              <a:t>chat</a:t>
+            </a:r>
+            <a:r>
+              <a:rPr lang="de-DE" dirty="0"/>
+              <a:t> </a:t>
+            </a:r>
+            <a:r>
+              <a:rPr lang="de-DE" dirty="0" err="1"/>
+              <a:t>as</a:t>
+            </a:r>
+            <a:r>
+              <a:rPr lang="de-DE" dirty="0"/>
+              <a:t> </a:t>
+            </a:r>
+            <a:r>
+              <a:rPr lang="de-DE" dirty="0" err="1"/>
+              <a:t>IntelliJ</a:t>
+            </a:r>
+            <a:r>
+              <a:rPr lang="de-DE" dirty="0"/>
+              <a:t> </a:t>
+            </a:r>
+            <a:r>
+              <a:rPr lang="de-DE" dirty="0" err="1"/>
+              <a:t>plugin</a:t>
+            </a:r>
+          </a:p>
+          <a:p>
+            <a:r>
+              <a:rPr lang="de-DE" dirty="0"/>
+              <a:t>Generating </a:t>
+            </a:r>
+            <a:r>
+              <a:rPr lang="de-DE" dirty="0" err="1"/>
+              <a:t>process</a:t>
+            </a:r>
+          </a:p>
+          <a:p>
+            <a:pPr lvl="1">
+              <a:buFont typeface="Courier New,monospace" panose="020B0604020202020204" pitchFamily="34" charset="0"/>
+              <a:buChar char="o"/>
+            </a:pPr>
+            <a:r>
+              <a:rPr lang="de-DE" dirty="0"/>
+              <a:t>Prompt </a:t>
+            </a:r>
+            <a:r>
+              <a:rPr lang="de-DE" dirty="0" err="1"/>
+              <a:t>fine</a:t>
+            </a:r>
+            <a:r>
+              <a:rPr lang="de-DE" dirty="0"/>
+              <a:t>-tuning </a:t>
+            </a:r>
+            <a:r>
+              <a:rPr lang="de-DE" dirty="0" err="1"/>
+              <a:t>for</a:t>
+            </a:r>
+            <a:r>
+              <a:rPr lang="de-DE" dirty="0"/>
+              <a:t> </a:t>
+            </a:r>
+            <a:r>
+              <a:rPr lang="de-DE" dirty="0" err="1"/>
+              <a:t>better</a:t>
+            </a:r>
+            <a:r>
+              <a:rPr lang="de-DE" dirty="0"/>
+              <a:t> / </a:t>
+            </a:r>
+            <a:r>
+              <a:rPr lang="de-DE" dirty="0" err="1"/>
+              <a:t>working</a:t>
+            </a:r>
+            <a:r>
+              <a:rPr lang="de-DE" dirty="0"/>
+              <a:t> </a:t>
+            </a:r>
+            <a:r>
+              <a:rPr lang="de-DE" dirty="0" err="1"/>
+              <a:t>results</a:t>
+            </a:r>
+          </a:p>
+          <a:p>
+            <a:pPr lvl="1">
+              <a:buFont typeface="Courier New,monospace" panose="020B0604020202020204" pitchFamily="34" charset="0"/>
+              <a:buChar char="o"/>
+            </a:pPr>
+            <a:r>
+              <a:rPr lang="de-DE" dirty="0" err="1"/>
+              <a:t>Iteratively</a:t>
+            </a:r>
+            <a:r>
+              <a:rPr lang="de-DE" dirty="0"/>
+              <a:t> </a:t>
+            </a:r>
+            <a:r>
+              <a:rPr lang="de-DE" dirty="0" err="1"/>
+              <a:t>repeating</a:t>
+            </a:r>
+            <a:r>
+              <a:rPr lang="de-DE" dirty="0"/>
+              <a:t> </a:t>
+            </a:r>
+            <a:r>
+              <a:rPr lang="de-DE" dirty="0" err="1"/>
+              <a:t>prompts</a:t>
+            </a:r>
+            <a:r>
+              <a:rPr lang="de-DE" dirty="0"/>
+              <a:t> </a:t>
+            </a:r>
+            <a:r>
+              <a:rPr lang="de-DE" dirty="0" err="1"/>
+              <a:t>to</a:t>
+            </a:r>
+            <a:r>
+              <a:rPr lang="de-DE" dirty="0"/>
+              <a:t> </a:t>
+            </a:r>
+            <a:r>
+              <a:rPr lang="de-DE" dirty="0" err="1"/>
+              <a:t>avoid</a:t>
+            </a:r>
+            <a:r>
+              <a:rPr lang="de-DE" dirty="0"/>
+              <a:t> </a:t>
+            </a:r>
+            <a:r>
+              <a:rPr lang="de-DE" dirty="0" err="1"/>
+              <a:t>output</a:t>
+            </a:r>
+            <a:r>
+              <a:rPr lang="de-DE" dirty="0"/>
+              <a:t> </a:t>
+            </a:r>
+            <a:r>
+              <a:rPr lang="de-DE" dirty="0" err="1"/>
+              <a:t>limit</a:t>
+            </a:r>
+            <a:endParaRPr lang="en-US" dirty="0" err="1"/>
+          </a:p>
+          <a:p>
+            <a:pPr lvl="1">
+              <a:buFont typeface="Courier New,monospace" panose="020B0604020202020204" pitchFamily="34" charset="0"/>
+              <a:buChar char="o"/>
+            </a:pPr>
+            <a:r>
+              <a:rPr lang="de-DE" dirty="0" err="1"/>
+              <a:t>Deleting</a:t>
+            </a:r>
+            <a:r>
+              <a:rPr lang="de-DE" dirty="0"/>
+              <a:t> </a:t>
+            </a:r>
+            <a:r>
+              <a:rPr lang="de-DE" dirty="0" err="1"/>
+              <a:t>duplicate</a:t>
+            </a:r>
+            <a:r>
+              <a:rPr lang="de-DE" dirty="0"/>
+              <a:t> </a:t>
+            </a:r>
+            <a:r>
+              <a:rPr lang="de-DE" dirty="0" err="1"/>
+              <a:t>test</a:t>
+            </a:r>
+            <a:r>
+              <a:rPr lang="de-DE" dirty="0"/>
+              <a:t> </a:t>
+            </a:r>
+            <a:r>
+              <a:rPr lang="de-DE" dirty="0" err="1"/>
+              <a:t>methods</a:t>
+            </a:r>
+            <a:endParaRPr lang="en-US" dirty="0" err="1"/>
+          </a:p>
+          <a:p>
+            <a:pPr>
+              <a:buFont typeface="Courier New,monospace" panose="020B0604020202020204" pitchFamily="34" charset="0"/>
+              <a:buChar char="o"/>
+            </a:pPr>
+            <a:r>
+              <a:rPr lang="de-DE" dirty="0" err="1"/>
+              <a:t>Results</a:t>
+            </a:r>
+            <a:endParaRPr lang="en-US" dirty="0" err="1"/>
+          </a:p>
+          <a:p>
+            <a:pPr lvl="1">
+              <a:buFont typeface="Courier New,monospace" panose="020B0604020202020204" pitchFamily="34" charset="0"/>
+              <a:buChar char="o"/>
+            </a:pPr>
+            <a:r>
+              <a:rPr lang="de-DE" dirty="0"/>
+              <a:t>&gt; 200 </a:t>
+            </a:r>
+            <a:r>
+              <a:rPr lang="de-DE" dirty="0" err="1"/>
+              <a:t>test</a:t>
+            </a:r>
+            <a:r>
+              <a:rPr lang="de-DE" dirty="0"/>
+              <a:t> </a:t>
+            </a:r>
+            <a:r>
+              <a:rPr lang="de-DE" dirty="0" err="1"/>
+              <a:t>methods</a:t>
+            </a:r>
+            <a:endParaRPr lang="en-US" dirty="0" err="1"/>
+          </a:p>
+          <a:p>
+            <a:pPr lvl="1">
+              <a:buFont typeface="Courier New,monospace" panose="020B0604020202020204" pitchFamily="34" charset="0"/>
+              <a:buChar char="o"/>
+            </a:pPr>
+            <a:r>
+              <a:rPr lang="de-DE" dirty="0"/>
+              <a:t>Test </a:t>
+            </a:r>
+            <a:r>
+              <a:rPr lang="de-DE" dirty="0" err="1"/>
+              <a:t>coverage</a:t>
+            </a:r>
+            <a:r>
+              <a:rPr lang="de-DE" dirty="0"/>
+              <a:t> </a:t>
+            </a:r>
+            <a:r>
+              <a:rPr lang="de-DE" dirty="0" err="1"/>
+              <a:t>improved</a:t>
+            </a:r>
+            <a:r>
+              <a:rPr lang="de-DE" dirty="0"/>
+              <a:t> </a:t>
+            </a:r>
+            <a:r>
+              <a:rPr lang="de-DE" dirty="0" err="1"/>
+              <a:t>to</a:t>
+            </a:r>
+            <a:r>
+              <a:rPr lang="de-DE" dirty="0"/>
+              <a:t> ~80%</a:t>
+            </a:r>
+            <a:endParaRPr lang="en-GB" dirty="0"/>
           </a:p>
         </p:txBody>
       </p:sp>
     </p:spTree>
     <p:extLst>
       <p:ext uri="{BB962C8B-B14F-4D97-AF65-F5344CB8AC3E}">
-        <p14:creationId xmlns:p14="http://schemas.microsoft.com/office/powerpoint/2010/main" val="3951312986"/>
+        <p14:creationId xmlns:p14="http://schemas.microsoft.com/office/powerpoint/2010/main" val="1603043089"/>
       </p:ext>
     </p:extLst>
   </p:cSld>
